--- a/04. Нововведения С++11 (часть 1).pptx
+++ b/04. Нововведения С++11 (часть 1).pptx
@@ -307,7 +307,7 @@
           <a:p>
             <a:fld id="{1FF2871B-4E3E-044D-8666-1C179B294C3A}" type="datetimeFigureOut">
               <a:rPr lang="en-US" smtClean="0"/>
-              <a:t>1/9/26</a:t>
+              <a:t>1/14/26</a:t>
             </a:fld>
             <a:endParaRPr lang="en-US"/>
           </a:p>
@@ -505,7 +505,7 @@
           <a:p>
             <a:fld id="{1FF2871B-4E3E-044D-8666-1C179B294C3A}" type="datetimeFigureOut">
               <a:rPr lang="en-US" smtClean="0"/>
-              <a:t>1/9/26</a:t>
+              <a:t>1/14/26</a:t>
             </a:fld>
             <a:endParaRPr lang="en-US"/>
           </a:p>
@@ -713,7 +713,7 @@
           <a:p>
             <a:fld id="{1FF2871B-4E3E-044D-8666-1C179B294C3A}" type="datetimeFigureOut">
               <a:rPr lang="en-US" smtClean="0"/>
-              <a:t>1/9/26</a:t>
+              <a:t>1/14/26</a:t>
             </a:fld>
             <a:endParaRPr lang="en-US"/>
           </a:p>
@@ -911,7 +911,7 @@
           <a:p>
             <a:fld id="{1FF2871B-4E3E-044D-8666-1C179B294C3A}" type="datetimeFigureOut">
               <a:rPr lang="en-US" smtClean="0"/>
-              <a:t>1/9/26</a:t>
+              <a:t>1/14/26</a:t>
             </a:fld>
             <a:endParaRPr lang="en-US"/>
           </a:p>
@@ -1186,7 +1186,7 @@
           <a:p>
             <a:fld id="{1FF2871B-4E3E-044D-8666-1C179B294C3A}" type="datetimeFigureOut">
               <a:rPr lang="en-US" smtClean="0"/>
-              <a:t>1/9/26</a:t>
+              <a:t>1/14/26</a:t>
             </a:fld>
             <a:endParaRPr lang="en-US"/>
           </a:p>
@@ -1451,7 +1451,7 @@
           <a:p>
             <a:fld id="{1FF2871B-4E3E-044D-8666-1C179B294C3A}" type="datetimeFigureOut">
               <a:rPr lang="en-US" smtClean="0"/>
-              <a:t>1/9/26</a:t>
+              <a:t>1/14/26</a:t>
             </a:fld>
             <a:endParaRPr lang="en-US"/>
           </a:p>
@@ -1863,7 +1863,7 @@
           <a:p>
             <a:fld id="{1FF2871B-4E3E-044D-8666-1C179B294C3A}" type="datetimeFigureOut">
               <a:rPr lang="en-US" smtClean="0"/>
-              <a:t>1/9/26</a:t>
+              <a:t>1/14/26</a:t>
             </a:fld>
             <a:endParaRPr lang="en-US"/>
           </a:p>
@@ -2004,7 +2004,7 @@
           <a:p>
             <a:fld id="{1FF2871B-4E3E-044D-8666-1C179B294C3A}" type="datetimeFigureOut">
               <a:rPr lang="en-US" smtClean="0"/>
-              <a:t>1/9/26</a:t>
+              <a:t>1/14/26</a:t>
             </a:fld>
             <a:endParaRPr lang="en-US"/>
           </a:p>
@@ -2117,7 +2117,7 @@
           <a:p>
             <a:fld id="{1FF2871B-4E3E-044D-8666-1C179B294C3A}" type="datetimeFigureOut">
               <a:rPr lang="en-US" smtClean="0"/>
-              <a:t>1/9/26</a:t>
+              <a:t>1/14/26</a:t>
             </a:fld>
             <a:endParaRPr lang="en-US"/>
           </a:p>
@@ -2428,7 +2428,7 @@
           <a:p>
             <a:fld id="{1FF2871B-4E3E-044D-8666-1C179B294C3A}" type="datetimeFigureOut">
               <a:rPr lang="en-US" smtClean="0"/>
-              <a:t>1/9/26</a:t>
+              <a:t>1/14/26</a:t>
             </a:fld>
             <a:endParaRPr lang="en-US"/>
           </a:p>
@@ -2716,7 +2716,7 @@
           <a:p>
             <a:fld id="{1FF2871B-4E3E-044D-8666-1C179B294C3A}" type="datetimeFigureOut">
               <a:rPr lang="en-US" smtClean="0"/>
-              <a:t>1/9/26</a:t>
+              <a:t>1/14/26</a:t>
             </a:fld>
             <a:endParaRPr lang="en-US"/>
           </a:p>
@@ -2957,7 +2957,7 @@
           <a:p>
             <a:fld id="{1FF2871B-4E3E-044D-8666-1C179B294C3A}" type="datetimeFigureOut">
               <a:rPr lang="en-US" smtClean="0"/>
-              <a:t>1/9/26</a:t>
+              <a:t>1/14/26</a:t>
             </a:fld>
             <a:endParaRPr lang="en-US"/>
           </a:p>
@@ -3439,6 +3439,12 @@
             <a:r>
               <a:rPr lang="ru-RU" dirty="0"/>
               <a:t>Нововведения С++11</a:t>
+            </a:r>
+          </a:p>
+          <a:p>
+            <a:r>
+              <a:rPr lang="ru-RU" dirty="0"/>
+              <a:t>часть 1</a:t>
             </a:r>
             <a:endParaRPr lang="en-US" dirty="0"/>
           </a:p>
